--- a/졸작_상세문서.pptx
+++ b/졸작_상세문서.pptx
@@ -17,12 +17,15 @@
     <p:sldId id="260" r:id="rId11"/>
     <p:sldId id="258" r:id="rId12"/>
     <p:sldId id="262" r:id="rId13"/>
-    <p:sldId id="266" r:id="rId14"/>
-    <p:sldId id="267" r:id="rId15"/>
-    <p:sldId id="272" r:id="rId16"/>
-    <p:sldId id="273" r:id="rId17"/>
-    <p:sldId id="274" r:id="rId18"/>
-    <p:sldId id="275" r:id="rId19"/>
+    <p:sldId id="276" r:id="rId14"/>
+    <p:sldId id="277" r:id="rId15"/>
+    <p:sldId id="266" r:id="rId16"/>
+    <p:sldId id="267" r:id="rId17"/>
+    <p:sldId id="278" r:id="rId18"/>
+    <p:sldId id="272" r:id="rId19"/>
+    <p:sldId id="273" r:id="rId20"/>
+    <p:sldId id="274" r:id="rId21"/>
+    <p:sldId id="275" r:id="rId22"/>
   </p:sldIdLst>
   <p:sldSz cx="12192000" cy="6858000"/>
   <p:notesSz cx="6858000" cy="9144000"/>
@@ -271,7 +274,7 @@
           <a:p>
             <a:fld id="{6C34A38B-A5AA-4BFD-BF3B-D046DFA45C46}" type="datetimeFigureOut">
               <a:rPr lang="ko-KR" altLang="en-US" smtClean="0"/>
-              <a:t>2017-04-11</a:t>
+              <a:t>2017-04-12</a:t>
             </a:fld>
             <a:endParaRPr lang="ko-KR" altLang="en-US"/>
           </a:p>
@@ -441,7 +444,7 @@
           <a:p>
             <a:fld id="{6C34A38B-A5AA-4BFD-BF3B-D046DFA45C46}" type="datetimeFigureOut">
               <a:rPr lang="ko-KR" altLang="en-US" smtClean="0"/>
-              <a:t>2017-04-11</a:t>
+              <a:t>2017-04-12</a:t>
             </a:fld>
             <a:endParaRPr lang="ko-KR" altLang="en-US"/>
           </a:p>
@@ -621,7 +624,7 @@
           <a:p>
             <a:fld id="{6C34A38B-A5AA-4BFD-BF3B-D046DFA45C46}" type="datetimeFigureOut">
               <a:rPr lang="ko-KR" altLang="en-US" smtClean="0"/>
-              <a:t>2017-04-11</a:t>
+              <a:t>2017-04-12</a:t>
             </a:fld>
             <a:endParaRPr lang="ko-KR" altLang="en-US"/>
           </a:p>
@@ -791,7 +794,7 @@
           <a:p>
             <a:fld id="{6C34A38B-A5AA-4BFD-BF3B-D046DFA45C46}" type="datetimeFigureOut">
               <a:rPr lang="ko-KR" altLang="en-US" smtClean="0"/>
-              <a:t>2017-04-11</a:t>
+              <a:t>2017-04-12</a:t>
             </a:fld>
             <a:endParaRPr lang="ko-KR" altLang="en-US"/>
           </a:p>
@@ -1037,7 +1040,7 @@
           <a:p>
             <a:fld id="{6C34A38B-A5AA-4BFD-BF3B-D046DFA45C46}" type="datetimeFigureOut">
               <a:rPr lang="ko-KR" altLang="en-US" smtClean="0"/>
-              <a:t>2017-04-11</a:t>
+              <a:t>2017-04-12</a:t>
             </a:fld>
             <a:endParaRPr lang="ko-KR" altLang="en-US"/>
           </a:p>
@@ -1269,7 +1272,7 @@
           <a:p>
             <a:fld id="{6C34A38B-A5AA-4BFD-BF3B-D046DFA45C46}" type="datetimeFigureOut">
               <a:rPr lang="ko-KR" altLang="en-US" smtClean="0"/>
-              <a:t>2017-04-11</a:t>
+              <a:t>2017-04-12</a:t>
             </a:fld>
             <a:endParaRPr lang="ko-KR" altLang="en-US"/>
           </a:p>
@@ -1636,7 +1639,7 @@
           <a:p>
             <a:fld id="{6C34A38B-A5AA-4BFD-BF3B-D046DFA45C46}" type="datetimeFigureOut">
               <a:rPr lang="ko-KR" altLang="en-US" smtClean="0"/>
-              <a:t>2017-04-11</a:t>
+              <a:t>2017-04-12</a:t>
             </a:fld>
             <a:endParaRPr lang="ko-KR" altLang="en-US"/>
           </a:p>
@@ -1754,7 +1757,7 @@
           <a:p>
             <a:fld id="{6C34A38B-A5AA-4BFD-BF3B-D046DFA45C46}" type="datetimeFigureOut">
               <a:rPr lang="ko-KR" altLang="en-US" smtClean="0"/>
-              <a:t>2017-04-11</a:t>
+              <a:t>2017-04-12</a:t>
             </a:fld>
             <a:endParaRPr lang="ko-KR" altLang="en-US"/>
           </a:p>
@@ -1849,7 +1852,7 @@
           <a:p>
             <a:fld id="{6C34A38B-A5AA-4BFD-BF3B-D046DFA45C46}" type="datetimeFigureOut">
               <a:rPr lang="ko-KR" altLang="en-US" smtClean="0"/>
-              <a:t>2017-04-11</a:t>
+              <a:t>2017-04-12</a:t>
             </a:fld>
             <a:endParaRPr lang="ko-KR" altLang="en-US"/>
           </a:p>
@@ -2126,7 +2129,7 @@
           <a:p>
             <a:fld id="{6C34A38B-A5AA-4BFD-BF3B-D046DFA45C46}" type="datetimeFigureOut">
               <a:rPr lang="ko-KR" altLang="en-US" smtClean="0"/>
-              <a:t>2017-04-11</a:t>
+              <a:t>2017-04-12</a:t>
             </a:fld>
             <a:endParaRPr lang="ko-KR" altLang="en-US"/>
           </a:p>
@@ -2379,7 +2382,7 @@
           <a:p>
             <a:fld id="{6C34A38B-A5AA-4BFD-BF3B-D046DFA45C46}" type="datetimeFigureOut">
               <a:rPr lang="ko-KR" altLang="en-US" smtClean="0"/>
-              <a:t>2017-04-11</a:t>
+              <a:t>2017-04-12</a:t>
             </a:fld>
             <a:endParaRPr lang="ko-KR" altLang="en-US"/>
           </a:p>
@@ -2592,7 +2595,7 @@
           <a:p>
             <a:fld id="{6C34A38B-A5AA-4BFD-BF3B-D046DFA45C46}" type="datetimeFigureOut">
               <a:rPr lang="ko-KR" altLang="en-US" smtClean="0"/>
-              <a:t>2017-04-11</a:t>
+              <a:t>2017-04-12</a:t>
             </a:fld>
             <a:endParaRPr lang="ko-KR" altLang="en-US"/>
           </a:p>
@@ -3417,11 +3420,7 @@
             </a:r>
             <a:r>
               <a:rPr lang="ko-KR" altLang="en-US" sz="2400" dirty="0" smtClean="0"/>
-              <a:t> </a:t>
-            </a:r>
-            <a:r>
-              <a:rPr lang="ko-KR" altLang="en-US" sz="2400" dirty="0" smtClean="0"/>
-              <a:t>없음</a:t>
+              <a:t> 없음</a:t>
             </a:r>
             <a:endParaRPr lang="en-US" altLang="ko-KR" sz="2400" dirty="0" smtClean="0"/>
           </a:p>
@@ -3557,36 +3556,89 @@
           <a:lstStyle/>
           <a:p>
             <a:r>
+              <a:rPr lang="ko-KR" altLang="en-US" dirty="0" err="1" smtClean="0"/>
+              <a:t>탕비실</a:t>
+            </a:r>
+            <a:endParaRPr lang="ko-KR" altLang="en-US" dirty="0"/>
+          </a:p>
+        </p:txBody>
+      </p:sp>
+      <p:pic>
+        <p:nvPicPr>
+          <p:cNvPr id="6" name="내용 개체 틀 5"/>
+          <p:cNvPicPr>
+            <a:picLocks noGrp="1" noChangeAspect="1"/>
+          </p:cNvPicPr>
+          <p:nvPr>
+            <p:ph sz="half" idx="1"/>
+          </p:nvPr>
+        </p:nvPicPr>
+        <p:blipFill>
+          <a:blip r:embed="rId2">
+            <a:extLst>
+              <a:ext uri="{28A0092B-C50C-407E-A947-70E740481C1C}">
+                <a14:useLocalDpi xmlns:a14="http://schemas.microsoft.com/office/drawing/2010/main" val="0"/>
+              </a:ext>
+            </a:extLst>
+          </a:blip>
+          <a:stretch>
+            <a:fillRect/>
+          </a:stretch>
+        </p:blipFill>
+        <p:spPr>
+          <a:xfrm>
+            <a:off x="2373630" y="1690688"/>
+            <a:ext cx="7444740" cy="3537064"/>
+          </a:xfrm>
+        </p:spPr>
+      </p:pic>
+      <p:sp>
+        <p:nvSpPr>
+          <p:cNvPr id="5" name="내용 개체 틀 4"/>
+          <p:cNvSpPr>
+            <a:spLocks noGrp="1"/>
+          </p:cNvSpPr>
+          <p:nvPr>
+            <p:ph sz="half" idx="2"/>
+          </p:nvPr>
+        </p:nvSpPr>
+        <p:spPr>
+          <a:xfrm>
+            <a:off x="2854452" y="5586983"/>
+            <a:ext cx="6483096" cy="484633"/>
+          </a:xfrm>
+        </p:spPr>
+        <p:txBody>
+          <a:bodyPr/>
+          <a:lstStyle/>
+          <a:p>
+            <a:pPr marL="0" indent="0">
+              <a:buNone/>
+            </a:pPr>
+            <a:r>
+              <a:rPr lang="ko-KR" altLang="en-US" dirty="0" err="1" smtClean="0"/>
+              <a:t>탕비실의</a:t>
+            </a:r>
+            <a:r>
               <a:rPr lang="ko-KR" altLang="en-US" dirty="0" smtClean="0"/>
-              <a:t>거리</a:t>
+              <a:t> 가스 </a:t>
+            </a:r>
+            <a:r>
+              <a:rPr lang="ko-KR" altLang="en-US" dirty="0" err="1" smtClean="0"/>
+              <a:t>밸스와</a:t>
+            </a:r>
+            <a:r>
+              <a:rPr lang="ko-KR" altLang="en-US" dirty="0" smtClean="0"/>
+              <a:t> 누전차단기 위치</a:t>
             </a:r>
             <a:endParaRPr lang="ko-KR" altLang="en-US" dirty="0"/>
-          </a:p>
-        </p:txBody>
-      </p:sp>
-      <p:sp>
-        <p:nvSpPr>
-          <p:cNvPr id="3" name="내용 개체 틀 2"/>
-          <p:cNvSpPr>
-            <a:spLocks noGrp="1"/>
-          </p:cNvSpPr>
-          <p:nvPr>
-            <p:ph idx="1"/>
-          </p:nvPr>
-        </p:nvSpPr>
-        <p:spPr/>
-        <p:txBody>
-          <a:bodyPr/>
-          <a:lstStyle/>
-          <a:p>
-            <a:endParaRPr lang="ko-KR" altLang="en-US"/>
           </a:p>
         </p:txBody>
       </p:sp>
     </p:spTree>
     <p:extLst>
       <p:ext uri="{BB962C8B-B14F-4D97-AF65-F5344CB8AC3E}">
-        <p14:creationId xmlns:p14="http://schemas.microsoft.com/office/powerpoint/2010/main" val="1032436115"/>
+        <p14:creationId xmlns:p14="http://schemas.microsoft.com/office/powerpoint/2010/main" val="2439732441"/>
       </p:ext>
     </p:extLst>
   </p:cSld>
@@ -3629,8 +3681,8 @@
           <a:lstStyle/>
           <a:p>
             <a:r>
-              <a:rPr lang="ko-KR" altLang="en-US" dirty="0" smtClean="0"/>
-              <a:t>거리</a:t>
+              <a:rPr lang="ko-KR" altLang="en-US" dirty="0" err="1" smtClean="0"/>
+              <a:t>탕비실</a:t>
             </a:r>
             <a:endParaRPr lang="ko-KR" altLang="en-US" dirty="0"/>
           </a:p>
@@ -3638,27 +3690,99 @@
       </p:sp>
       <p:sp>
         <p:nvSpPr>
-          <p:cNvPr id="3" name="내용 개체 틀 2"/>
-          <p:cNvSpPr>
-            <a:spLocks noGrp="1"/>
-          </p:cNvSpPr>
-          <p:nvPr>
-            <p:ph idx="1"/>
-          </p:nvPr>
-        </p:nvSpPr>
-        <p:spPr/>
-        <p:txBody>
-          <a:bodyPr/>
-          <a:lstStyle/>
-          <a:p>
-            <a:endParaRPr lang="ko-KR" altLang="en-US"/>
-          </a:p>
-        </p:txBody>
-      </p:sp>
+          <p:cNvPr id="4" name="내용 개체 틀 3"/>
+          <p:cNvSpPr>
+            <a:spLocks noGrp="1"/>
+          </p:cNvSpPr>
+          <p:nvPr>
+            <p:ph sz="half" idx="1"/>
+          </p:nvPr>
+        </p:nvSpPr>
+        <p:spPr>
+          <a:xfrm>
+            <a:off x="3282695" y="5799835"/>
+            <a:ext cx="5626609" cy="507683"/>
+          </a:xfrm>
+        </p:spPr>
+        <p:txBody>
+          <a:bodyPr/>
+          <a:lstStyle/>
+          <a:p>
+            <a:pPr marL="0" indent="0">
+              <a:buNone/>
+            </a:pPr>
+            <a:r>
+              <a:rPr lang="ko-KR" altLang="en-US" smtClean="0"/>
+              <a:t>가스 밸브와 누전차단기 레퍼런스</a:t>
+            </a:r>
+            <a:endParaRPr lang="ko-KR" altLang="en-US" dirty="0"/>
+          </a:p>
+        </p:txBody>
+      </p:sp>
+      <p:pic>
+        <p:nvPicPr>
+          <p:cNvPr id="6" name="그림 5"/>
+          <p:cNvPicPr>
+            <a:picLocks noChangeAspect="1"/>
+          </p:cNvPicPr>
+          <p:nvPr/>
+        </p:nvPicPr>
+        <p:blipFill>
+          <a:blip r:embed="rId2">
+            <a:extLst>
+              <a:ext uri="{28A0092B-C50C-407E-A947-70E740481C1C}">
+                <a14:useLocalDpi xmlns:a14="http://schemas.microsoft.com/office/drawing/2010/main" val="0"/>
+              </a:ext>
+            </a:extLst>
+          </a:blip>
+          <a:stretch>
+            <a:fillRect/>
+          </a:stretch>
+        </p:blipFill>
+        <p:spPr>
+          <a:xfrm>
+            <a:off x="6541614" y="2196473"/>
+            <a:ext cx="4125103" cy="3097577"/>
+          </a:xfrm>
+          <a:prstGeom prst="rect">
+            <a:avLst/>
+          </a:prstGeom>
+        </p:spPr>
+      </p:pic>
+      <p:pic>
+        <p:nvPicPr>
+          <p:cNvPr id="8" name="그림 7"/>
+          <p:cNvPicPr>
+            <a:picLocks noChangeAspect="1"/>
+          </p:cNvPicPr>
+          <p:nvPr/>
+        </p:nvPicPr>
+        <p:blipFill>
+          <a:blip r:embed="rId3">
+            <a:extLst>
+              <a:ext uri="{28A0092B-C50C-407E-A947-70E740481C1C}">
+                <a14:useLocalDpi xmlns:a14="http://schemas.microsoft.com/office/drawing/2010/main" val="0"/>
+              </a:ext>
+            </a:extLst>
+          </a:blip>
+          <a:stretch>
+            <a:fillRect/>
+          </a:stretch>
+        </p:blipFill>
+        <p:spPr>
+          <a:xfrm>
+            <a:off x="2059510" y="2088491"/>
+            <a:ext cx="3468906" cy="3205559"/>
+          </a:xfrm>
+          <a:prstGeom prst="rect">
+            <a:avLst/>
+          </a:prstGeom>
+        </p:spPr>
+      </p:pic>
     </p:spTree>
     <p:extLst>
       <p:ext uri="{BB962C8B-B14F-4D97-AF65-F5344CB8AC3E}">
-        <p14:creationId xmlns:p14="http://schemas.microsoft.com/office/powerpoint/2010/main" val="3888114920"/>
+        <p14:creationId xmlns:p14="http://schemas.microsoft.com/office/powerpoint/2010/main" val="4033471006"/>
       </p:ext>
     </p:extLst>
   </p:cSld>
@@ -3701,8 +3825,8 @@
           <a:lstStyle/>
           <a:p>
             <a:r>
-              <a:rPr lang="en-US" altLang="ko-KR" dirty="0" smtClean="0"/>
-              <a:t>NPC</a:t>
+              <a:rPr lang="ko-KR" altLang="en-US" dirty="0" smtClean="0"/>
+              <a:t>거리</a:t>
             </a:r>
             <a:endParaRPr lang="ko-KR" altLang="en-US" dirty="0"/>
           </a:p>
@@ -3730,7 +3854,7 @@
     </p:spTree>
     <p:extLst>
       <p:ext uri="{BB962C8B-B14F-4D97-AF65-F5344CB8AC3E}">
-        <p14:creationId xmlns:p14="http://schemas.microsoft.com/office/powerpoint/2010/main" val="3328409754"/>
+        <p14:creationId xmlns:p14="http://schemas.microsoft.com/office/powerpoint/2010/main" val="1032436115"/>
       </p:ext>
     </p:extLst>
   </p:cSld>
@@ -3773,8 +3897,8 @@
           <a:lstStyle/>
           <a:p>
             <a:r>
-              <a:rPr lang="en-US" altLang="ko-KR" dirty="0" smtClean="0"/>
-              <a:t>NPC</a:t>
+              <a:rPr lang="ko-KR" altLang="en-US" dirty="0" smtClean="0"/>
+              <a:t>거리</a:t>
             </a:r>
             <a:endParaRPr lang="ko-KR" altLang="en-US" dirty="0"/>
           </a:p>
@@ -3782,7 +3906,7 @@
       </p:sp>
       <p:sp>
         <p:nvSpPr>
-          <p:cNvPr id="3" name="내용 개체 틀 2"/>
+          <p:cNvPr id="4" name="내용 개체 틀 3"/>
           <p:cNvSpPr>
             <a:spLocks noGrp="1"/>
           </p:cNvSpPr>
@@ -3802,7 +3926,7 @@
     </p:spTree>
     <p:extLst>
       <p:ext uri="{BB962C8B-B14F-4D97-AF65-F5344CB8AC3E}">
-        <p14:creationId xmlns:p14="http://schemas.microsoft.com/office/powerpoint/2010/main" val="3185058332"/>
+        <p14:creationId xmlns:p14="http://schemas.microsoft.com/office/powerpoint/2010/main" val="3888114920"/>
       </p:ext>
     </p:extLst>
   </p:cSld>
@@ -3846,7 +3970,7 @@
           <a:p>
             <a:r>
               <a:rPr lang="ko-KR" altLang="en-US" dirty="0" smtClean="0"/>
-              <a:t>이벤트</a:t>
+              <a:t>거리 주의점</a:t>
             </a:r>
             <a:endParaRPr lang="ko-KR" altLang="en-US" dirty="0"/>
           </a:p>
@@ -3867,14 +3991,14 @@
           <a:bodyPr/>
           <a:lstStyle/>
           <a:p>
-            <a:endParaRPr lang="ko-KR" altLang="en-US"/>
+            <a:endParaRPr lang="ko-KR" altLang="en-US" dirty="0"/>
           </a:p>
         </p:txBody>
       </p:sp>
     </p:spTree>
     <p:extLst>
       <p:ext uri="{BB962C8B-B14F-4D97-AF65-F5344CB8AC3E}">
-        <p14:creationId xmlns:p14="http://schemas.microsoft.com/office/powerpoint/2010/main" val="4182515196"/>
+        <p14:creationId xmlns:p14="http://schemas.microsoft.com/office/powerpoint/2010/main" val="780559910"/>
       </p:ext>
     </p:extLst>
   </p:cSld>
@@ -3917,8 +4041,8 @@
           <a:lstStyle/>
           <a:p>
             <a:r>
-              <a:rPr lang="ko-KR" altLang="en-US" dirty="0" smtClean="0"/>
-              <a:t>이벤트</a:t>
+              <a:rPr lang="en-US" altLang="ko-KR" dirty="0" smtClean="0"/>
+              <a:t>NPC</a:t>
             </a:r>
             <a:endParaRPr lang="ko-KR" altLang="en-US" dirty="0"/>
           </a:p>
@@ -3946,7 +4070,79 @@
     </p:spTree>
     <p:extLst>
       <p:ext uri="{BB962C8B-B14F-4D97-AF65-F5344CB8AC3E}">
-        <p14:creationId xmlns:p14="http://schemas.microsoft.com/office/powerpoint/2010/main" val="3210838974"/>
+        <p14:creationId xmlns:p14="http://schemas.microsoft.com/office/powerpoint/2010/main" val="3328409754"/>
+      </p:ext>
+    </p:extLst>
+  </p:cSld>
+  <p:clrMapOvr>
+    <a:masterClrMapping/>
+  </p:clrMapOvr>
+</p:sld>
+</file>
+
+<file path=ppt/slides/slide19.xml><?xml version="1.0" encoding="utf-8"?>
+<p:sld xmlns:a="http://schemas.openxmlformats.org/drawingml/2006/main" xmlns:r="http://schemas.openxmlformats.org/officeDocument/2006/relationships" xmlns:p="http://schemas.openxmlformats.org/presentationml/2006/main">
+  <p:cSld>
+    <p:spTree>
+      <p:nvGrpSpPr>
+        <p:cNvPr id="1" name=""/>
+        <p:cNvGrpSpPr/>
+        <p:nvPr/>
+      </p:nvGrpSpPr>
+      <p:grpSpPr>
+        <a:xfrm>
+          <a:off x="0" y="0"/>
+          <a:ext cx="0" cy="0"/>
+          <a:chOff x="0" y="0"/>
+          <a:chExt cx="0" cy="0"/>
+        </a:xfrm>
+      </p:grpSpPr>
+      <p:sp>
+        <p:nvSpPr>
+          <p:cNvPr id="2" name="제목 1"/>
+          <p:cNvSpPr>
+            <a:spLocks noGrp="1"/>
+          </p:cNvSpPr>
+          <p:nvPr>
+            <p:ph type="title"/>
+          </p:nvPr>
+        </p:nvSpPr>
+        <p:spPr/>
+        <p:txBody>
+          <a:bodyPr/>
+          <a:lstStyle/>
+          <a:p>
+            <a:r>
+              <a:rPr lang="en-US" altLang="ko-KR" dirty="0" smtClean="0"/>
+              <a:t>NPC</a:t>
+            </a:r>
+            <a:endParaRPr lang="ko-KR" altLang="en-US" dirty="0"/>
+          </a:p>
+        </p:txBody>
+      </p:sp>
+      <p:sp>
+        <p:nvSpPr>
+          <p:cNvPr id="3" name="내용 개체 틀 2"/>
+          <p:cNvSpPr>
+            <a:spLocks noGrp="1"/>
+          </p:cNvSpPr>
+          <p:nvPr>
+            <p:ph idx="1"/>
+          </p:nvPr>
+        </p:nvSpPr>
+        <p:spPr/>
+        <p:txBody>
+          <a:bodyPr/>
+          <a:lstStyle/>
+          <a:p>
+            <a:endParaRPr lang="ko-KR" altLang="en-US"/>
+          </a:p>
+        </p:txBody>
+      </p:sp>
+    </p:spTree>
+    <p:extLst>
+      <p:ext uri="{BB962C8B-B14F-4D97-AF65-F5344CB8AC3E}">
+        <p14:creationId xmlns:p14="http://schemas.microsoft.com/office/powerpoint/2010/main" val="3185058332"/>
       </p:ext>
     </p:extLst>
   </p:cSld>
@@ -4009,7 +4205,7 @@
         <p:spPr/>
         <p:txBody>
           <a:bodyPr>
-            <a:normAutofit fontScale="92500" lnSpcReduction="10000"/>
+            <a:normAutofit fontScale="92500" lnSpcReduction="20000"/>
           </a:bodyPr>
           <a:lstStyle/>
           <a:p>
@@ -4071,6 +4267,14 @@
             <a:r>
               <a:rPr lang="ko-KR" altLang="en-US" dirty="0" smtClean="0"/>
               <a:t>주의점</a:t>
+            </a:r>
+            <a:endParaRPr lang="en-US" altLang="ko-KR" dirty="0" smtClean="0"/>
+          </a:p>
+          <a:p>
+            <a:pPr lvl="1"/>
+            <a:r>
+              <a:rPr lang="ko-KR" altLang="en-US" dirty="0" err="1" smtClean="0"/>
+              <a:t>탕비실</a:t>
             </a:r>
             <a:endParaRPr lang="en-US" altLang="ko-KR" dirty="0" smtClean="0"/>
           </a:p>
@@ -4125,6 +4329,150 @@
     <p:extLst>
       <p:ext uri="{BB962C8B-B14F-4D97-AF65-F5344CB8AC3E}">
         <p14:creationId xmlns:p14="http://schemas.microsoft.com/office/powerpoint/2010/main" val="3838805188"/>
+      </p:ext>
+    </p:extLst>
+  </p:cSld>
+  <p:clrMapOvr>
+    <a:masterClrMapping/>
+  </p:clrMapOvr>
+</p:sld>
+</file>
+
+<file path=ppt/slides/slide20.xml><?xml version="1.0" encoding="utf-8"?>
+<p:sld xmlns:a="http://schemas.openxmlformats.org/drawingml/2006/main" xmlns:r="http://schemas.openxmlformats.org/officeDocument/2006/relationships" xmlns:p="http://schemas.openxmlformats.org/presentationml/2006/main">
+  <p:cSld>
+    <p:spTree>
+      <p:nvGrpSpPr>
+        <p:cNvPr id="1" name=""/>
+        <p:cNvGrpSpPr/>
+        <p:nvPr/>
+      </p:nvGrpSpPr>
+      <p:grpSpPr>
+        <a:xfrm>
+          <a:off x="0" y="0"/>
+          <a:ext cx="0" cy="0"/>
+          <a:chOff x="0" y="0"/>
+          <a:chExt cx="0" cy="0"/>
+        </a:xfrm>
+      </p:grpSpPr>
+      <p:sp>
+        <p:nvSpPr>
+          <p:cNvPr id="2" name="제목 1"/>
+          <p:cNvSpPr>
+            <a:spLocks noGrp="1"/>
+          </p:cNvSpPr>
+          <p:nvPr>
+            <p:ph type="title"/>
+          </p:nvPr>
+        </p:nvSpPr>
+        <p:spPr/>
+        <p:txBody>
+          <a:bodyPr/>
+          <a:lstStyle/>
+          <a:p>
+            <a:r>
+              <a:rPr lang="ko-KR" altLang="en-US" dirty="0" smtClean="0"/>
+              <a:t>이벤트</a:t>
+            </a:r>
+            <a:endParaRPr lang="ko-KR" altLang="en-US" dirty="0"/>
+          </a:p>
+        </p:txBody>
+      </p:sp>
+      <p:sp>
+        <p:nvSpPr>
+          <p:cNvPr id="3" name="내용 개체 틀 2"/>
+          <p:cNvSpPr>
+            <a:spLocks noGrp="1"/>
+          </p:cNvSpPr>
+          <p:nvPr>
+            <p:ph idx="1"/>
+          </p:nvPr>
+        </p:nvSpPr>
+        <p:spPr/>
+        <p:txBody>
+          <a:bodyPr/>
+          <a:lstStyle/>
+          <a:p>
+            <a:endParaRPr lang="ko-KR" altLang="en-US"/>
+          </a:p>
+        </p:txBody>
+      </p:sp>
+    </p:spTree>
+    <p:extLst>
+      <p:ext uri="{BB962C8B-B14F-4D97-AF65-F5344CB8AC3E}">
+        <p14:creationId xmlns:p14="http://schemas.microsoft.com/office/powerpoint/2010/main" val="4182515196"/>
+      </p:ext>
+    </p:extLst>
+  </p:cSld>
+  <p:clrMapOvr>
+    <a:masterClrMapping/>
+  </p:clrMapOvr>
+</p:sld>
+</file>
+
+<file path=ppt/slides/slide21.xml><?xml version="1.0" encoding="utf-8"?>
+<p:sld xmlns:a="http://schemas.openxmlformats.org/drawingml/2006/main" xmlns:r="http://schemas.openxmlformats.org/officeDocument/2006/relationships" xmlns:p="http://schemas.openxmlformats.org/presentationml/2006/main">
+  <p:cSld>
+    <p:spTree>
+      <p:nvGrpSpPr>
+        <p:cNvPr id="1" name=""/>
+        <p:cNvGrpSpPr/>
+        <p:nvPr/>
+      </p:nvGrpSpPr>
+      <p:grpSpPr>
+        <a:xfrm>
+          <a:off x="0" y="0"/>
+          <a:ext cx="0" cy="0"/>
+          <a:chOff x="0" y="0"/>
+          <a:chExt cx="0" cy="0"/>
+        </a:xfrm>
+      </p:grpSpPr>
+      <p:sp>
+        <p:nvSpPr>
+          <p:cNvPr id="2" name="제목 1"/>
+          <p:cNvSpPr>
+            <a:spLocks noGrp="1"/>
+          </p:cNvSpPr>
+          <p:nvPr>
+            <p:ph type="title"/>
+          </p:nvPr>
+        </p:nvSpPr>
+        <p:spPr/>
+        <p:txBody>
+          <a:bodyPr/>
+          <a:lstStyle/>
+          <a:p>
+            <a:r>
+              <a:rPr lang="ko-KR" altLang="en-US" dirty="0" smtClean="0"/>
+              <a:t>이벤트</a:t>
+            </a:r>
+            <a:endParaRPr lang="ko-KR" altLang="en-US" dirty="0"/>
+          </a:p>
+        </p:txBody>
+      </p:sp>
+      <p:sp>
+        <p:nvSpPr>
+          <p:cNvPr id="3" name="내용 개체 틀 2"/>
+          <p:cNvSpPr>
+            <a:spLocks noGrp="1"/>
+          </p:cNvSpPr>
+          <p:nvPr>
+            <p:ph idx="1"/>
+          </p:nvPr>
+        </p:nvSpPr>
+        <p:spPr/>
+        <p:txBody>
+          <a:bodyPr/>
+          <a:lstStyle/>
+          <a:p>
+            <a:endParaRPr lang="ko-KR" altLang="en-US"/>
+          </a:p>
+        </p:txBody>
+      </p:sp>
+    </p:spTree>
+    <p:extLst>
+      <p:ext uri="{BB962C8B-B14F-4D97-AF65-F5344CB8AC3E}">
+        <p14:creationId xmlns:p14="http://schemas.microsoft.com/office/powerpoint/2010/main" val="3210838974"/>
       </p:ext>
     </p:extLst>
   </p:cSld>
@@ -5006,7 +5354,6 @@
               <a:rPr lang="en-US" altLang="ko-KR" sz="2000" dirty="0" smtClean="0"/>
               <a:t>.</a:t>
             </a:r>
-            <a:endParaRPr lang="en-US" altLang="ko-KR" sz="2000" dirty="0" smtClean="0"/>
           </a:p>
           <a:p>
             <a:pPr marL="457200" indent="-457200">

--- a/졸작_상세문서.pptx
+++ b/졸작_상세문서.pptx
@@ -19,13 +19,14 @@
     <p:sldId id="262" r:id="rId13"/>
     <p:sldId id="276" r:id="rId14"/>
     <p:sldId id="277" r:id="rId15"/>
-    <p:sldId id="266" r:id="rId16"/>
-    <p:sldId id="267" r:id="rId17"/>
-    <p:sldId id="278" r:id="rId18"/>
-    <p:sldId id="272" r:id="rId19"/>
-    <p:sldId id="273" r:id="rId20"/>
-    <p:sldId id="274" r:id="rId21"/>
-    <p:sldId id="275" r:id="rId22"/>
+    <p:sldId id="279" r:id="rId16"/>
+    <p:sldId id="266" r:id="rId17"/>
+    <p:sldId id="267" r:id="rId18"/>
+    <p:sldId id="278" r:id="rId19"/>
+    <p:sldId id="272" r:id="rId20"/>
+    <p:sldId id="273" r:id="rId21"/>
+    <p:sldId id="274" r:id="rId22"/>
+    <p:sldId id="275" r:id="rId23"/>
   </p:sldIdLst>
   <p:sldSz cx="12192000" cy="6858000"/>
   <p:notesSz cx="6858000" cy="9144000"/>
@@ -274,7 +275,7 @@
           <a:p>
             <a:fld id="{6C34A38B-A5AA-4BFD-BF3B-D046DFA45C46}" type="datetimeFigureOut">
               <a:rPr lang="ko-KR" altLang="en-US" smtClean="0"/>
-              <a:t>2017-04-12</a:t>
+              <a:t>2017-04-24</a:t>
             </a:fld>
             <a:endParaRPr lang="ko-KR" altLang="en-US"/>
           </a:p>
@@ -444,7 +445,7 @@
           <a:p>
             <a:fld id="{6C34A38B-A5AA-4BFD-BF3B-D046DFA45C46}" type="datetimeFigureOut">
               <a:rPr lang="ko-KR" altLang="en-US" smtClean="0"/>
-              <a:t>2017-04-12</a:t>
+              <a:t>2017-04-24</a:t>
             </a:fld>
             <a:endParaRPr lang="ko-KR" altLang="en-US"/>
           </a:p>
@@ -624,7 +625,7 @@
           <a:p>
             <a:fld id="{6C34A38B-A5AA-4BFD-BF3B-D046DFA45C46}" type="datetimeFigureOut">
               <a:rPr lang="ko-KR" altLang="en-US" smtClean="0"/>
-              <a:t>2017-04-12</a:t>
+              <a:t>2017-04-24</a:t>
             </a:fld>
             <a:endParaRPr lang="ko-KR" altLang="en-US"/>
           </a:p>
@@ -794,7 +795,7 @@
           <a:p>
             <a:fld id="{6C34A38B-A5AA-4BFD-BF3B-D046DFA45C46}" type="datetimeFigureOut">
               <a:rPr lang="ko-KR" altLang="en-US" smtClean="0"/>
-              <a:t>2017-04-12</a:t>
+              <a:t>2017-04-24</a:t>
             </a:fld>
             <a:endParaRPr lang="ko-KR" altLang="en-US"/>
           </a:p>
@@ -1040,7 +1041,7 @@
           <a:p>
             <a:fld id="{6C34A38B-A5AA-4BFD-BF3B-D046DFA45C46}" type="datetimeFigureOut">
               <a:rPr lang="ko-KR" altLang="en-US" smtClean="0"/>
-              <a:t>2017-04-12</a:t>
+              <a:t>2017-04-24</a:t>
             </a:fld>
             <a:endParaRPr lang="ko-KR" altLang="en-US"/>
           </a:p>
@@ -1272,7 +1273,7 @@
           <a:p>
             <a:fld id="{6C34A38B-A5AA-4BFD-BF3B-D046DFA45C46}" type="datetimeFigureOut">
               <a:rPr lang="ko-KR" altLang="en-US" smtClean="0"/>
-              <a:t>2017-04-12</a:t>
+              <a:t>2017-04-24</a:t>
             </a:fld>
             <a:endParaRPr lang="ko-KR" altLang="en-US"/>
           </a:p>
@@ -1639,7 +1640,7 @@
           <a:p>
             <a:fld id="{6C34A38B-A5AA-4BFD-BF3B-D046DFA45C46}" type="datetimeFigureOut">
               <a:rPr lang="ko-KR" altLang="en-US" smtClean="0"/>
-              <a:t>2017-04-12</a:t>
+              <a:t>2017-04-24</a:t>
             </a:fld>
             <a:endParaRPr lang="ko-KR" altLang="en-US"/>
           </a:p>
@@ -1757,7 +1758,7 @@
           <a:p>
             <a:fld id="{6C34A38B-A5AA-4BFD-BF3B-D046DFA45C46}" type="datetimeFigureOut">
               <a:rPr lang="ko-KR" altLang="en-US" smtClean="0"/>
-              <a:t>2017-04-12</a:t>
+              <a:t>2017-04-24</a:t>
             </a:fld>
             <a:endParaRPr lang="ko-KR" altLang="en-US"/>
           </a:p>
@@ -1852,7 +1853,7 @@
           <a:p>
             <a:fld id="{6C34A38B-A5AA-4BFD-BF3B-D046DFA45C46}" type="datetimeFigureOut">
               <a:rPr lang="ko-KR" altLang="en-US" smtClean="0"/>
-              <a:t>2017-04-12</a:t>
+              <a:t>2017-04-24</a:t>
             </a:fld>
             <a:endParaRPr lang="ko-KR" altLang="en-US"/>
           </a:p>
@@ -2129,7 +2130,7 @@
           <a:p>
             <a:fld id="{6C34A38B-A5AA-4BFD-BF3B-D046DFA45C46}" type="datetimeFigureOut">
               <a:rPr lang="ko-KR" altLang="en-US" smtClean="0"/>
-              <a:t>2017-04-12</a:t>
+              <a:t>2017-04-24</a:t>
             </a:fld>
             <a:endParaRPr lang="ko-KR" altLang="en-US"/>
           </a:p>
@@ -2382,7 +2383,7 @@
           <a:p>
             <a:fld id="{6C34A38B-A5AA-4BFD-BF3B-D046DFA45C46}" type="datetimeFigureOut">
               <a:rPr lang="ko-KR" altLang="en-US" smtClean="0"/>
-              <a:t>2017-04-12</a:t>
+              <a:t>2017-04-24</a:t>
             </a:fld>
             <a:endParaRPr lang="ko-KR" altLang="en-US"/>
           </a:p>
@@ -2595,7 +2596,7 @@
           <a:p>
             <a:fld id="{6C34A38B-A5AA-4BFD-BF3B-D046DFA45C46}" type="datetimeFigureOut">
               <a:rPr lang="ko-KR" altLang="en-US" smtClean="0"/>
-              <a:t>2017-04-12</a:t>
+              <a:t>2017-04-24</a:t>
             </a:fld>
             <a:endParaRPr lang="ko-KR" altLang="en-US"/>
           </a:p>
@@ -3825,8 +3826,16 @@
           <a:lstStyle/>
           <a:p>
             <a:r>
+              <a:rPr lang="ko-KR" altLang="en-US" dirty="0" err="1" smtClean="0"/>
+              <a:t>탕비실</a:t>
+            </a:r>
+            <a:r>
+              <a:rPr lang="en-US" altLang="ko-KR" dirty="0"/>
+              <a:t> </a:t>
+            </a:r>
+            <a:r>
               <a:rPr lang="ko-KR" altLang="en-US" dirty="0" smtClean="0"/>
-              <a:t>거리</a:t>
+              <a:t>주의점</a:t>
             </a:r>
             <a:endParaRPr lang="ko-KR" altLang="en-US" dirty="0"/>
           </a:p>
@@ -3834,7 +3843,7 @@
       </p:sp>
       <p:sp>
         <p:nvSpPr>
-          <p:cNvPr id="3" name="내용 개체 틀 2"/>
+          <p:cNvPr id="5" name="내용 개체 틀 4"/>
           <p:cNvSpPr>
             <a:spLocks noGrp="1"/>
           </p:cNvSpPr>
@@ -3847,14 +3856,88 @@
           <a:bodyPr/>
           <a:lstStyle/>
           <a:p>
-            <a:endParaRPr lang="ko-KR" altLang="en-US"/>
+            <a:pPr marL="514350" indent="-514350">
+              <a:buAutoNum type="arabicParenR"/>
+            </a:pPr>
+            <a:r>
+              <a:rPr lang="ko-KR" altLang="en-US" dirty="0" err="1" smtClean="0"/>
+              <a:t>가스밸브와</a:t>
+            </a:r>
+            <a:r>
+              <a:rPr lang="ko-KR" altLang="en-US" dirty="0" smtClean="0"/>
+              <a:t> 누전 차단기는 </a:t>
+            </a:r>
+            <a:r>
+              <a:rPr lang="ko-KR" altLang="en-US" smtClean="0"/>
+              <a:t>키입력으로</a:t>
+            </a:r>
+            <a:r>
+              <a:rPr lang="ko-KR" altLang="en-US" dirty="0" smtClean="0"/>
+              <a:t> 상호작용한다</a:t>
+            </a:r>
+            <a:r>
+              <a:rPr lang="en-US" altLang="ko-KR" dirty="0" smtClean="0"/>
+              <a:t>.</a:t>
+            </a:r>
+          </a:p>
+          <a:p>
+            <a:pPr marL="514350" indent="-514350">
+              <a:buAutoNum type="arabicParenR"/>
+            </a:pPr>
+            <a:r>
+              <a:rPr lang="ko-KR" altLang="en-US" dirty="0" err="1" smtClean="0"/>
+              <a:t>가스밸브는</a:t>
+            </a:r>
+            <a:r>
+              <a:rPr lang="ko-KR" altLang="en-US" dirty="0" smtClean="0"/>
+              <a:t> 상호작용하면 밸브가 아래로 내려가면 가스가 차단된다</a:t>
+            </a:r>
+            <a:r>
+              <a:rPr lang="en-US" altLang="ko-KR" dirty="0" smtClean="0"/>
+              <a:t>.</a:t>
+            </a:r>
+          </a:p>
+          <a:p>
+            <a:pPr marL="514350" indent="-514350">
+              <a:buAutoNum type="arabicParenR"/>
+            </a:pPr>
+            <a:r>
+              <a:rPr lang="ko-KR" altLang="en-US" dirty="0" smtClean="0"/>
+              <a:t>누전차단기는 스위치 형태의 버튼을 가지고 있다</a:t>
+            </a:r>
+            <a:r>
+              <a:rPr lang="en-US" altLang="ko-KR" dirty="0" smtClean="0"/>
+              <a:t>.</a:t>
+            </a:r>
+          </a:p>
+          <a:p>
+            <a:pPr marL="514350" indent="-514350">
+              <a:buAutoNum type="arabicParenR"/>
+            </a:pPr>
+            <a:r>
+              <a:rPr lang="ko-KR" altLang="en-US" dirty="0" smtClean="0"/>
+              <a:t>누전차단기와 상호작용하면 스위치를 </a:t>
+            </a:r>
+            <a:r>
+              <a:rPr lang="en-US" altLang="ko-KR" dirty="0" smtClean="0"/>
+              <a:t>180</a:t>
+            </a:r>
+            <a:r>
+              <a:rPr lang="ko-KR" altLang="en-US" dirty="0" smtClean="0"/>
+              <a:t>˚ 돌려서 누전 차단됨을 표현한다</a:t>
+            </a:r>
+            <a:r>
+              <a:rPr lang="en-US" altLang="ko-KR" dirty="0" smtClean="0"/>
+              <a:t>.</a:t>
+            </a:r>
+            <a:endParaRPr lang="ko-KR" altLang="en-US" dirty="0"/>
           </a:p>
         </p:txBody>
       </p:sp>
     </p:spTree>
     <p:extLst>
       <p:ext uri="{BB962C8B-B14F-4D97-AF65-F5344CB8AC3E}">
-        <p14:creationId xmlns:p14="http://schemas.microsoft.com/office/powerpoint/2010/main" val="1032436115"/>
+        <p14:creationId xmlns:p14="http://schemas.microsoft.com/office/powerpoint/2010/main" val="56924326"/>
       </p:ext>
     </p:extLst>
   </p:cSld>
@@ -3906,7 +3989,7 @@
       </p:sp>
       <p:sp>
         <p:nvSpPr>
-          <p:cNvPr id="4" name="내용 개체 틀 3"/>
+          <p:cNvPr id="3" name="내용 개체 틀 2"/>
           <p:cNvSpPr>
             <a:spLocks noGrp="1"/>
           </p:cNvSpPr>
@@ -3926,7 +4009,7 @@
     </p:spTree>
     <p:extLst>
       <p:ext uri="{BB962C8B-B14F-4D97-AF65-F5344CB8AC3E}">
-        <p14:creationId xmlns:p14="http://schemas.microsoft.com/office/powerpoint/2010/main" val="3888114920"/>
+        <p14:creationId xmlns:p14="http://schemas.microsoft.com/office/powerpoint/2010/main" val="1032436115"/>
       </p:ext>
     </p:extLst>
   </p:cSld>
@@ -3970,7 +4053,7 @@
           <a:p>
             <a:r>
               <a:rPr lang="ko-KR" altLang="en-US" dirty="0" smtClean="0"/>
-              <a:t>거리 주의점</a:t>
+              <a:t>거리</a:t>
             </a:r>
             <a:endParaRPr lang="ko-KR" altLang="en-US" dirty="0"/>
           </a:p>
@@ -3978,7 +4061,7 @@
       </p:sp>
       <p:sp>
         <p:nvSpPr>
-          <p:cNvPr id="3" name="내용 개체 틀 2"/>
+          <p:cNvPr id="4" name="내용 개체 틀 3"/>
           <p:cNvSpPr>
             <a:spLocks noGrp="1"/>
           </p:cNvSpPr>
@@ -3991,14 +4074,14 @@
           <a:bodyPr/>
           <a:lstStyle/>
           <a:p>
-            <a:endParaRPr lang="ko-KR" altLang="en-US" dirty="0"/>
+            <a:endParaRPr lang="ko-KR" altLang="en-US"/>
           </a:p>
         </p:txBody>
       </p:sp>
     </p:spTree>
     <p:extLst>
       <p:ext uri="{BB962C8B-B14F-4D97-AF65-F5344CB8AC3E}">
-        <p14:creationId xmlns:p14="http://schemas.microsoft.com/office/powerpoint/2010/main" val="780559910"/>
+        <p14:creationId xmlns:p14="http://schemas.microsoft.com/office/powerpoint/2010/main" val="3888114920"/>
       </p:ext>
     </p:extLst>
   </p:cSld>
@@ -4041,8 +4124,8 @@
           <a:lstStyle/>
           <a:p>
             <a:r>
-              <a:rPr lang="en-US" altLang="ko-KR" dirty="0" smtClean="0"/>
-              <a:t>NPC</a:t>
+              <a:rPr lang="ko-KR" altLang="en-US" dirty="0" smtClean="0"/>
+              <a:t>거리 주의점</a:t>
             </a:r>
             <a:endParaRPr lang="ko-KR" altLang="en-US" dirty="0"/>
           </a:p>
@@ -4063,14 +4146,14 @@
           <a:bodyPr/>
           <a:lstStyle/>
           <a:p>
-            <a:endParaRPr lang="ko-KR" altLang="en-US"/>
+            <a:endParaRPr lang="ko-KR" altLang="en-US" dirty="0"/>
           </a:p>
         </p:txBody>
       </p:sp>
     </p:spTree>
     <p:extLst>
       <p:ext uri="{BB962C8B-B14F-4D97-AF65-F5344CB8AC3E}">
-        <p14:creationId xmlns:p14="http://schemas.microsoft.com/office/powerpoint/2010/main" val="3328409754"/>
+        <p14:creationId xmlns:p14="http://schemas.microsoft.com/office/powerpoint/2010/main" val="780559910"/>
       </p:ext>
     </p:extLst>
   </p:cSld>
@@ -4142,7 +4225,7 @@
     </p:spTree>
     <p:extLst>
       <p:ext uri="{BB962C8B-B14F-4D97-AF65-F5344CB8AC3E}">
-        <p14:creationId xmlns:p14="http://schemas.microsoft.com/office/powerpoint/2010/main" val="3185058332"/>
+        <p14:creationId xmlns:p14="http://schemas.microsoft.com/office/powerpoint/2010/main" val="3328409754"/>
       </p:ext>
     </p:extLst>
   </p:cSld>
@@ -4371,6 +4454,78 @@
           <a:lstStyle/>
           <a:p>
             <a:r>
+              <a:rPr lang="en-US" altLang="ko-KR" dirty="0" smtClean="0"/>
+              <a:t>NPC</a:t>
+            </a:r>
+            <a:endParaRPr lang="ko-KR" altLang="en-US" dirty="0"/>
+          </a:p>
+        </p:txBody>
+      </p:sp>
+      <p:sp>
+        <p:nvSpPr>
+          <p:cNvPr id="3" name="내용 개체 틀 2"/>
+          <p:cNvSpPr>
+            <a:spLocks noGrp="1"/>
+          </p:cNvSpPr>
+          <p:nvPr>
+            <p:ph idx="1"/>
+          </p:nvPr>
+        </p:nvSpPr>
+        <p:spPr/>
+        <p:txBody>
+          <a:bodyPr/>
+          <a:lstStyle/>
+          <a:p>
+            <a:endParaRPr lang="ko-KR" altLang="en-US"/>
+          </a:p>
+        </p:txBody>
+      </p:sp>
+    </p:spTree>
+    <p:extLst>
+      <p:ext uri="{BB962C8B-B14F-4D97-AF65-F5344CB8AC3E}">
+        <p14:creationId xmlns:p14="http://schemas.microsoft.com/office/powerpoint/2010/main" val="3185058332"/>
+      </p:ext>
+    </p:extLst>
+  </p:cSld>
+  <p:clrMapOvr>
+    <a:masterClrMapping/>
+  </p:clrMapOvr>
+</p:sld>
+</file>
+
+<file path=ppt/slides/slide21.xml><?xml version="1.0" encoding="utf-8"?>
+<p:sld xmlns:a="http://schemas.openxmlformats.org/drawingml/2006/main" xmlns:r="http://schemas.openxmlformats.org/officeDocument/2006/relationships" xmlns:p="http://schemas.openxmlformats.org/presentationml/2006/main">
+  <p:cSld>
+    <p:spTree>
+      <p:nvGrpSpPr>
+        <p:cNvPr id="1" name=""/>
+        <p:cNvGrpSpPr/>
+        <p:nvPr/>
+      </p:nvGrpSpPr>
+      <p:grpSpPr>
+        <a:xfrm>
+          <a:off x="0" y="0"/>
+          <a:ext cx="0" cy="0"/>
+          <a:chOff x="0" y="0"/>
+          <a:chExt cx="0" cy="0"/>
+        </a:xfrm>
+      </p:grpSpPr>
+      <p:sp>
+        <p:nvSpPr>
+          <p:cNvPr id="2" name="제목 1"/>
+          <p:cNvSpPr>
+            <a:spLocks noGrp="1"/>
+          </p:cNvSpPr>
+          <p:nvPr>
+            <p:ph type="title"/>
+          </p:nvPr>
+        </p:nvSpPr>
+        <p:spPr/>
+        <p:txBody>
+          <a:bodyPr/>
+          <a:lstStyle/>
+          <a:p>
+            <a:r>
               <a:rPr lang="ko-KR" altLang="en-US" dirty="0" smtClean="0"/>
               <a:t>이벤트</a:t>
             </a:r>
@@ -4410,7 +4565,7 @@
 </p:sld>
 </file>
 
-<file path=ppt/slides/slide21.xml><?xml version="1.0" encoding="utf-8"?>
+<file path=ppt/slides/slide22.xml><?xml version="1.0" encoding="utf-8"?>
 <p:sld xmlns:a="http://schemas.openxmlformats.org/drawingml/2006/main" xmlns:r="http://schemas.openxmlformats.org/officeDocument/2006/relationships" xmlns:p="http://schemas.openxmlformats.org/presentationml/2006/main">
   <p:cSld>
     <p:spTree>
